--- a/Presentations/Release Presentations/3.2/Release 3.2 Presentation muon.pptx
+++ b/Presentations/Release Presentations/3.2/Release 3.2 Presentation muon.pptx
@@ -5,19 +5,18 @@
     <p:sldMasterId id="2147483666" r:id="rId1"/>
   </p:sldMasterIdLst>
   <p:notesMasterIdLst>
-    <p:notesMasterId r:id="rId12"/>
+    <p:notesMasterId r:id="rId11"/>
   </p:notesMasterIdLst>
   <p:sldIdLst>
     <p:sldId id="256" r:id="rId2"/>
     <p:sldId id="365" r:id="rId3"/>
-    <p:sldId id="386" r:id="rId4"/>
-    <p:sldId id="387" r:id="rId5"/>
-    <p:sldId id="389" r:id="rId6"/>
-    <p:sldId id="388" r:id="rId7"/>
-    <p:sldId id="390" r:id="rId8"/>
-    <p:sldId id="391" r:id="rId9"/>
-    <p:sldId id="392" r:id="rId10"/>
-    <p:sldId id="393" r:id="rId11"/>
+    <p:sldId id="387" r:id="rId4"/>
+    <p:sldId id="389" r:id="rId5"/>
+    <p:sldId id="388" r:id="rId6"/>
+    <p:sldId id="390" r:id="rId7"/>
+    <p:sldId id="391" r:id="rId8"/>
+    <p:sldId id="392" r:id="rId9"/>
+    <p:sldId id="393" r:id="rId10"/>
   </p:sldIdLst>
   <p:sldSz cx="9144000" cy="6858000" type="screen4x3"/>
   <p:notesSz cx="6858000" cy="9144000"/>
@@ -175,7 +174,6 @@
         <p14:section name="Muon" id="{A16FDEEA-DA59-4447-8998-0DA46E6127F0}">
           <p14:sldIdLst>
             <p14:sldId id="365"/>
-            <p14:sldId id="386"/>
             <p14:sldId id="387"/>
             <p14:sldId id="389"/>
             <p14:sldId id="388"/>
@@ -976,96 +974,6 @@
     <p:extLst>
       <p:ext uri="{BB962C8B-B14F-4D97-AF65-F5344CB8AC3E}">
         <p14:creationId xmlns:p14="http://schemas.microsoft.com/office/powerpoint/2010/main" val="1338714801"/>
-      </p:ext>
-    </p:extLst>
-  </p:cSld>
-  <p:clrMapOvr>
-    <a:masterClrMapping/>
-  </p:clrMapOvr>
-</p:notes>
-</file>
-
-<file path=ppt/notesSlides/notesSlide3.xml><?xml version="1.0" encoding="utf-8"?>
-<p:notes xmlns:a="http://schemas.openxmlformats.org/drawingml/2006/main" xmlns:r="http://schemas.openxmlformats.org/officeDocument/2006/relationships" xmlns:p="http://schemas.openxmlformats.org/presentationml/2006/main">
-  <p:cSld>
-    <p:spTree>
-      <p:nvGrpSpPr>
-        <p:cNvPr id="1" name=""/>
-        <p:cNvGrpSpPr/>
-        <p:nvPr/>
-      </p:nvGrpSpPr>
-      <p:grpSpPr>
-        <a:xfrm>
-          <a:off x="0" y="0"/>
-          <a:ext cx="0" cy="0"/>
-          <a:chOff x="0" y="0"/>
-          <a:chExt cx="0" cy="0"/>
-        </a:xfrm>
-      </p:grpSpPr>
-      <p:sp>
-        <p:nvSpPr>
-          <p:cNvPr id="2" name="Slide Image Placeholder 1"/>
-          <p:cNvSpPr>
-            <a:spLocks noGrp="1" noRot="1" noChangeAspect="1"/>
-          </p:cNvSpPr>
-          <p:nvPr>
-            <p:ph type="sldImg"/>
-          </p:nvPr>
-        </p:nvSpPr>
-        <p:spPr/>
-      </p:sp>
-      <p:sp>
-        <p:nvSpPr>
-          <p:cNvPr id="3" name="Notes Placeholder 2"/>
-          <p:cNvSpPr>
-            <a:spLocks noGrp="1"/>
-          </p:cNvSpPr>
-          <p:nvPr>
-            <p:ph type="body" idx="1"/>
-          </p:nvPr>
-        </p:nvSpPr>
-        <p:spPr/>
-        <p:txBody>
-          <a:bodyPr/>
-          <a:lstStyle/>
-          <a:p>
-            <a:endParaRPr lang="en-GB" dirty="0"/>
-          </a:p>
-        </p:txBody>
-      </p:sp>
-      <p:sp>
-        <p:nvSpPr>
-          <p:cNvPr id="4" name="Slide Number Placeholder 3"/>
-          <p:cNvSpPr>
-            <a:spLocks noGrp="1"/>
-          </p:cNvSpPr>
-          <p:nvPr>
-            <p:ph type="sldNum" sz="quarter" idx="10"/>
-          </p:nvPr>
-        </p:nvSpPr>
-        <p:spPr/>
-        <p:txBody>
-          <a:bodyPr/>
-          <a:lstStyle/>
-          <a:p>
-            <a:pPr>
-              <a:defRPr/>
-            </a:pPr>
-            <a:fld id="{C5A6BFE7-F88E-47BC-8480-AE0877F66E26}" type="slidenum">
-              <a:rPr lang="en-GB" smtClean="0"/>
-              <a:pPr>
-                <a:defRPr/>
-              </a:pPr>
-              <a:t>3</a:t>
-            </a:fld>
-            <a:endParaRPr lang="en-GB" dirty="0"/>
-          </a:p>
-        </p:txBody>
-      </p:sp>
-    </p:spTree>
-    <p:extLst>
-      <p:ext uri="{BB962C8B-B14F-4D97-AF65-F5344CB8AC3E}">
-        <p14:creationId xmlns:p14="http://schemas.microsoft.com/office/powerpoint/2010/main" val="1178751673"/>
       </p:ext>
     </p:extLst>
   </p:cSld>
@@ -3977,276 +3885,6 @@
 </p:sld>
 </file>
 
-<file path=ppt/slides/slide10.xml><?xml version="1.0" encoding="utf-8"?>
-<p:sld xmlns:a="http://schemas.openxmlformats.org/drawingml/2006/main" xmlns:r="http://schemas.openxmlformats.org/officeDocument/2006/relationships" xmlns:p="http://schemas.openxmlformats.org/presentationml/2006/main">
-  <p:cSld>
-    <p:spTree>
-      <p:nvGrpSpPr>
-        <p:cNvPr id="1" name=""/>
-        <p:cNvGrpSpPr/>
-        <p:nvPr/>
-      </p:nvGrpSpPr>
-      <p:grpSpPr>
-        <a:xfrm>
-          <a:off x="0" y="0"/>
-          <a:ext cx="0" cy="0"/>
-          <a:chOff x="0" y="0"/>
-          <a:chExt cx="0" cy="0"/>
-        </a:xfrm>
-      </p:grpSpPr>
-      <p:sp>
-        <p:nvSpPr>
-          <p:cNvPr id="5" name="Title 1"/>
-          <p:cNvSpPr>
-            <a:spLocks noGrp="1"/>
-          </p:cNvSpPr>
-          <p:nvPr>
-            <p:ph type="title"/>
-          </p:nvPr>
-        </p:nvSpPr>
-        <p:spPr>
-          <a:xfrm>
-            <a:off x="457200" y="-18256"/>
-            <a:ext cx="8229600" cy="1143000"/>
-          </a:xfrm>
-        </p:spPr>
-        <p:txBody>
-          <a:bodyPr/>
-          <a:lstStyle/>
-          <a:p>
-            <a:r>
-              <a:rPr lang="en-GB" dirty="0" smtClean="0"/>
-              <a:t>Muon Other</a:t>
-            </a:r>
-            <a:endParaRPr lang="en-GB" sz="2000" dirty="0"/>
-          </a:p>
-        </p:txBody>
-      </p:sp>
-      <p:pic>
-        <p:nvPicPr>
-          <p:cNvPr id="8196" name="Picture 4"/>
-          <p:cNvPicPr>
-            <a:picLocks noChangeAspect="1" noChangeArrowheads="1"/>
-          </p:cNvPicPr>
-          <p:nvPr/>
-        </p:nvPicPr>
-        <p:blipFill>
-          <a:blip r:embed="rId2">
-            <a:extLst>
-              <a:ext uri="{28A0092B-C50C-407E-A947-70E740481C1C}">
-                <a14:useLocalDpi xmlns:a14="http://schemas.microsoft.com/office/drawing/2010/main" val="0"/>
-              </a:ext>
-            </a:extLst>
-          </a:blip>
-          <a:srcRect/>
-          <a:stretch>
-            <a:fillRect/>
-          </a:stretch>
-        </p:blipFill>
-        <p:spPr bwMode="auto">
-          <a:xfrm>
-            <a:off x="3131839" y="1189162"/>
-            <a:ext cx="5648325" cy="4819650"/>
-          </a:xfrm>
-          <a:prstGeom prst="rect">
-            <a:avLst/>
-          </a:prstGeom>
-          <a:noFill/>
-          <a:ln>
-            <a:noFill/>
-          </a:ln>
-          <a:extLst>
-            <a:ext uri="{909E8E84-426E-40DD-AFC4-6F175D3DCCD1}">
-              <a14:hiddenFill xmlns:a14="http://schemas.microsoft.com/office/drawing/2010/main">
-                <a:solidFill>
-                  <a:schemeClr val="accent1"/>
-                </a:solidFill>
-              </a14:hiddenFill>
-            </a:ext>
-            <a:ext uri="{91240B29-F687-4F45-9708-019B960494DF}">
-              <a14:hiddenLine xmlns:a14="http://schemas.microsoft.com/office/drawing/2010/main" w="9525">
-                <a:solidFill>
-                  <a:schemeClr val="tx1"/>
-                </a:solidFill>
-                <a:miter lim="800000"/>
-                <a:headEnd/>
-                <a:tailEnd/>
-              </a14:hiddenLine>
-            </a:ext>
-          </a:extLst>
-        </p:spPr>
-      </p:pic>
-      <p:sp>
-        <p:nvSpPr>
-          <p:cNvPr id="2" name="TextBox 1"/>
-          <p:cNvSpPr txBox="1"/>
-          <p:nvPr/>
-        </p:nvSpPr>
-        <p:spPr>
-          <a:xfrm>
-            <a:off x="611560" y="1986955"/>
-            <a:ext cx="1944216" cy="2677656"/>
-          </a:xfrm>
-          <a:prstGeom prst="rect">
-            <a:avLst/>
-          </a:prstGeom>
-          <a:noFill/>
-        </p:spPr>
-        <p:txBody>
-          <a:bodyPr wrap="square" rtlCol="0">
-            <a:spAutoFit/>
-          </a:bodyPr>
-          <a:lstStyle/>
-          <a:p>
-            <a:pPr marL="285750" indent="-285750">
-              <a:buFont typeface="Arial" panose="020B0604020202020204" pitchFamily="34" charset="0"/>
-              <a:buChar char="•"/>
-            </a:pPr>
-            <a:r>
-              <a:rPr lang="en-GB" sz="1400" dirty="0">
-                <a:solidFill>
-                  <a:srgbClr val="0070C0"/>
-                </a:solidFill>
-              </a:rPr>
-              <a:t>Show high level summary formula string in fit function toolbox </a:t>
-            </a:r>
-          </a:p>
-          <a:p>
-            <a:pPr marL="285750" indent="-285750">
-              <a:buFont typeface="Arial" panose="020B0604020202020204" pitchFamily="34" charset="0"/>
-              <a:buChar char="•"/>
-            </a:pPr>
-            <a:r>
-              <a:rPr lang="en-GB" sz="1400" dirty="0">
-                <a:solidFill>
-                  <a:srgbClr val="FF0000"/>
-                </a:solidFill>
-              </a:rPr>
-              <a:t>Show error in fitting tab </a:t>
-            </a:r>
-          </a:p>
-          <a:p>
-            <a:pPr marL="285750" indent="-285750">
-              <a:buFont typeface="Arial" panose="020B0604020202020204" pitchFamily="34" charset="0"/>
-              <a:buChar char="•"/>
-            </a:pPr>
-            <a:r>
-              <a:rPr lang="en-GB" sz="1400" dirty="0"/>
-              <a:t>Wrap Fortran </a:t>
-            </a:r>
-            <a:r>
-              <a:rPr lang="en-GB" sz="1400" dirty="0" err="1"/>
-              <a:t>MaxEnt</a:t>
-            </a:r>
-            <a:r>
-              <a:rPr lang="en-GB" sz="1400" dirty="0"/>
-              <a:t> routine in F2Py and expose to Mantid </a:t>
-            </a:r>
-          </a:p>
-        </p:txBody>
-      </p:sp>
-      <p:cxnSp>
-        <p:nvCxnSpPr>
-          <p:cNvPr id="4" name="Straight Arrow Connector 3"/>
-          <p:cNvCxnSpPr/>
-          <p:nvPr/>
-        </p:nvCxnSpPr>
-        <p:spPr bwMode="auto">
-          <a:xfrm>
-            <a:off x="2555776" y="2492896"/>
-            <a:ext cx="1296144" cy="504056"/>
-          </a:xfrm>
-          <a:prstGeom prst="straightConnector1">
-            <a:avLst/>
-          </a:prstGeom>
-          <a:solidFill>
-            <a:schemeClr val="accent1"/>
-          </a:solidFill>
-          <a:ln w="25400" cap="flat" cmpd="sng" algn="ctr">
-            <a:solidFill>
-              <a:srgbClr val="0070C0"/>
-            </a:solidFill>
-            <a:prstDash val="solid"/>
-            <a:round/>
-            <a:headEnd type="none" w="med" len="med"/>
-            <a:tailEnd type="arrow"/>
-          </a:ln>
-          <a:effectLst/>
-        </p:spPr>
-      </p:cxnSp>
-      <p:cxnSp>
-        <p:nvCxnSpPr>
-          <p:cNvPr id="7" name="Straight Arrow Connector 6"/>
-          <p:cNvCxnSpPr/>
-          <p:nvPr/>
-        </p:nvCxnSpPr>
-        <p:spPr bwMode="auto">
-          <a:xfrm>
-            <a:off x="2555776" y="3325783"/>
-            <a:ext cx="3888432" cy="273204"/>
-          </a:xfrm>
-          <a:prstGeom prst="straightConnector1">
-            <a:avLst/>
-          </a:prstGeom>
-          <a:solidFill>
-            <a:schemeClr val="accent1"/>
-          </a:solidFill>
-          <a:ln w="25400" cap="flat" cmpd="sng" algn="ctr">
-            <a:solidFill>
-              <a:srgbClr val="FF0000"/>
-            </a:solidFill>
-            <a:prstDash val="solid"/>
-            <a:round/>
-            <a:headEnd type="none" w="med" len="med"/>
-            <a:tailEnd type="arrow"/>
-          </a:ln>
-          <a:effectLst/>
-        </p:spPr>
-      </p:cxnSp>
-      <p:cxnSp>
-        <p:nvCxnSpPr>
-          <p:cNvPr id="10" name="Straight Arrow Connector 9"/>
-          <p:cNvCxnSpPr>
-            <a:stCxn id="2" idx="3"/>
-          </p:cNvCxnSpPr>
-          <p:nvPr/>
-        </p:nvCxnSpPr>
-        <p:spPr bwMode="auto">
-          <a:xfrm>
-            <a:off x="2555776" y="3325783"/>
-            <a:ext cx="3400225" cy="2551489"/>
-          </a:xfrm>
-          <a:prstGeom prst="straightConnector1">
-            <a:avLst/>
-          </a:prstGeom>
-          <a:solidFill>
-            <a:schemeClr val="accent1"/>
-          </a:solidFill>
-          <a:ln w="25400" cap="flat" cmpd="sng" algn="ctr">
-            <a:solidFill>
-              <a:srgbClr val="FF0000"/>
-            </a:solidFill>
-            <a:prstDash val="solid"/>
-            <a:round/>
-            <a:headEnd type="none" w="med" len="med"/>
-            <a:tailEnd type="arrow"/>
-          </a:ln>
-          <a:effectLst/>
-        </p:spPr>
-      </p:cxnSp>
-    </p:spTree>
-    <p:extLst>
-      <p:ext uri="{BB962C8B-B14F-4D97-AF65-F5344CB8AC3E}">
-        <p14:creationId xmlns:p14="http://schemas.microsoft.com/office/powerpoint/2010/main" val="3225098390"/>
-      </p:ext>
-    </p:extLst>
-  </p:cSld>
-  <p:clrMapOvr>
-    <a:masterClrMapping/>
-  </p:clrMapOvr>
-</p:sld>
-</file>
-
 <file path=ppt/slides/slide2.xml><?xml version="1.0" encoding="utf-8"?>
 <p:sld xmlns:a="http://schemas.openxmlformats.org/drawingml/2006/main" xmlns:r="http://schemas.openxmlformats.org/officeDocument/2006/relationships" xmlns:p="http://schemas.openxmlformats.org/presentationml/2006/main">
   <p:cSld>
@@ -4350,16 +3988,182 @@
           </a:p>
         </p:txBody>
       </p:sp>
+      <p:sp>
+        <p:nvSpPr>
+          <p:cNvPr id="4" name="Content Placeholder 3"/>
+          <p:cNvSpPr>
+            <a:spLocks noGrp="1"/>
+          </p:cNvSpPr>
+          <p:nvPr>
+            <p:ph idx="1"/>
+          </p:nvPr>
+        </p:nvSpPr>
+        <p:spPr>
+          <a:xfrm>
+            <a:off x="467544" y="1700808"/>
+            <a:ext cx="8229600" cy="4205287"/>
+          </a:xfrm>
+        </p:spPr>
+        <p:txBody>
+          <a:bodyPr/>
+          <a:lstStyle/>
+          <a:p>
+            <a:r>
+              <a:rPr lang="en-GB" sz="1400" dirty="0"/>
+              <a:t>Interface can now read CHRONUS, MUT and 'old' EMU data </a:t>
+            </a:r>
+          </a:p>
+          <a:p>
+            <a:r>
+              <a:rPr lang="en-GB" sz="1400" dirty="0"/>
+              <a:t>Make the interface less sensitive to filenames, e.g. can now use 00015189.nxs instead of MUSR00015189.nxs </a:t>
+            </a:r>
+          </a:p>
+          <a:p>
+            <a:r>
+              <a:rPr lang="en-GB" sz="1400" dirty="0"/>
+              <a:t>Added new option to Rebin algorihtm, FullBinsOnly so that can ignore last bin that may have width smaller than that requested bin width </a:t>
+            </a:r>
+          </a:p>
+          <a:p>
+            <a:r>
+              <a:rPr lang="en-GB" sz="1400" dirty="0"/>
+              <a:t>'Force' the user to use numeric characters for text boxes where alphabetic characters does not make sense </a:t>
+            </a:r>
+          </a:p>
+          <a:p>
+            <a:r>
+              <a:rPr lang="en-GB" sz="1400" dirty="0"/>
+              <a:t>The results table created from the 'Results Table' tab made editable </a:t>
+            </a:r>
+          </a:p>
+          <a:p>
+            <a:r>
+              <a:rPr lang="en-GB" sz="1400" dirty="0"/>
+              <a:t>Remove unpredictable bug that sometimes happened when datasets read in quick succession, by refactoring how groupping is handled within interface </a:t>
+            </a:r>
+          </a:p>
+          <a:p>
+            <a:r>
+              <a:rPr lang="en-GB" sz="1400" dirty="0"/>
+              <a:t>Fix bug to allow loading of data from the same instrument but where the number of histograms varies </a:t>
+            </a:r>
+          </a:p>
+          <a:p>
+            <a:r>
+              <a:rPr lang="en-GB" sz="1400" dirty="0"/>
+              <a:t>Add new plot policy option: "Use previous window" in Settings tab, which if selected will plot new data in previous plot window </a:t>
+            </a:r>
+          </a:p>
+          <a:p>
+            <a:r>
+              <a:rPr lang="en-GB" sz="1400" dirty="0"/>
+              <a:t>Allow data with zero good frames to be loaded and display warning to user </a:t>
+            </a:r>
+          </a:p>
+          <a:p>
+            <a:r>
+              <a:rPr lang="en-GB" sz="1400" dirty="0"/>
+              <a:t>Updated 'run information' to output Frames, and Counts to 3 decimal </a:t>
+            </a:r>
+          </a:p>
+          <a:p>
+            <a:endParaRPr lang="en-GB" sz="1400" dirty="0"/>
+          </a:p>
+        </p:txBody>
+      </p:sp>
+      <p:sp>
+        <p:nvSpPr>
+          <p:cNvPr id="5" name="TextBox 4"/>
+          <p:cNvSpPr txBox="1"/>
+          <p:nvPr/>
+        </p:nvSpPr>
+        <p:spPr>
+          <a:xfrm>
+            <a:off x="467544" y="1196752"/>
+            <a:ext cx="7903126" cy="369332"/>
+          </a:xfrm>
+          <a:prstGeom prst="rect">
+            <a:avLst/>
+          </a:prstGeom>
+          <a:noFill/>
+        </p:spPr>
+        <p:txBody>
+          <a:bodyPr wrap="none" rtlCol="0">
+            <a:spAutoFit/>
+          </a:bodyPr>
+          <a:lstStyle/>
+          <a:p>
+            <a:r>
+              <a:rPr lang="en-GB" dirty="0"/>
+              <a:t>http://www.mantidproject.org/Release_Notes_3_2_MuonAnalysis</a:t>
+            </a:r>
+          </a:p>
+        </p:txBody>
+      </p:sp>
+    </p:spTree>
+    <p:extLst>
+      <p:ext uri="{BB962C8B-B14F-4D97-AF65-F5344CB8AC3E}">
+        <p14:creationId xmlns:p14="http://schemas.microsoft.com/office/powerpoint/2010/main" val="812407484"/>
+      </p:ext>
+    </p:extLst>
+  </p:cSld>
+  <p:clrMapOvr>
+    <a:masterClrMapping/>
+  </p:clrMapOvr>
+</p:sld>
+</file>
+
+<file path=ppt/slides/slide4.xml><?xml version="1.0" encoding="utf-8"?>
+<p:sld xmlns:a="http://schemas.openxmlformats.org/drawingml/2006/main" xmlns:r="http://schemas.openxmlformats.org/officeDocument/2006/relationships" xmlns:p="http://schemas.openxmlformats.org/presentationml/2006/main">
+  <p:cSld>
+    <p:spTree>
+      <p:nvGrpSpPr>
+        <p:cNvPr id="1" name=""/>
+        <p:cNvGrpSpPr/>
+        <p:nvPr/>
+      </p:nvGrpSpPr>
+      <p:grpSpPr>
+        <a:xfrm>
+          <a:off x="0" y="0"/>
+          <a:ext cx="0" cy="0"/>
+          <a:chOff x="0" y="0"/>
+          <a:chExt cx="0" cy="0"/>
+        </a:xfrm>
+      </p:grpSpPr>
+      <p:sp>
+        <p:nvSpPr>
+          <p:cNvPr id="5" name="Title 1"/>
+          <p:cNvSpPr>
+            <a:spLocks noGrp="1"/>
+          </p:cNvSpPr>
+          <p:nvPr>
+            <p:ph type="title"/>
+          </p:nvPr>
+        </p:nvSpPr>
+        <p:spPr/>
+        <p:txBody>
+          <a:bodyPr/>
+          <a:lstStyle/>
+          <a:p>
+            <a:r>
+              <a:rPr lang="en-GB" dirty="0" smtClean="0"/>
+              <a:t>MuonAnalysis – Settings tab</a:t>
+            </a:r>
+            <a:endParaRPr lang="en-GB" dirty="0"/>
+          </a:p>
+        </p:txBody>
+      </p:sp>
       <p:pic>
         <p:nvPicPr>
-          <p:cNvPr id="1026" name="Picture 2"/>
+          <p:cNvPr id="4098" name="Picture 2"/>
           <p:cNvPicPr>
             <a:picLocks noChangeAspect="1" noChangeArrowheads="1"/>
           </p:cNvPicPr>
           <p:nvPr/>
         </p:nvPicPr>
         <p:blipFill>
-          <a:blip r:embed="rId3">
+          <a:blip r:embed="rId2">
             <a:extLst>
               <a:ext uri="{28A0092B-C50C-407E-A947-70E740481C1C}">
                 <a14:useLocalDpi xmlns:a14="http://schemas.microsoft.com/office/drawing/2010/main" val="0"/>
@@ -4373,8 +4177,8 @@
         </p:blipFill>
         <p:spPr bwMode="auto">
           <a:xfrm>
-            <a:off x="4211960" y="2060848"/>
-            <a:ext cx="4480319" cy="4258678"/>
+            <a:off x="1881188" y="1385888"/>
+            <a:ext cx="5381625" cy="4086225"/>
           </a:xfrm>
           <a:prstGeom prst="rect">
             <a:avLst/>
@@ -4404,16 +4208,281 @@
           </a:extLst>
         </p:spPr>
       </p:pic>
+      <p:sp>
+        <p:nvSpPr>
+          <p:cNvPr id="3" name="Rounded Rectangle 2"/>
+          <p:cNvSpPr/>
+          <p:nvPr/>
+        </p:nvSpPr>
+        <p:spPr bwMode="auto">
+          <a:xfrm>
+            <a:off x="2843808" y="4941168"/>
+            <a:ext cx="2304256" cy="216024"/>
+          </a:xfrm>
+          <a:prstGeom prst="roundRect">
+            <a:avLst/>
+          </a:prstGeom>
+          <a:noFill/>
+          <a:ln w="38100" cap="flat" cmpd="sng" algn="ctr">
+            <a:solidFill>
+              <a:srgbClr val="FF0000"/>
+            </a:solidFill>
+            <a:prstDash val="solid"/>
+            <a:round/>
+            <a:headEnd type="none" w="med" len="med"/>
+            <a:tailEnd type="none" w="med" len="med"/>
+          </a:ln>
+          <a:effectLst/>
+        </p:spPr>
+        <p:txBody>
+          <a:bodyPr vert="horz" wrap="square" lIns="91440" tIns="45720" rIns="91440" bIns="45720" numCol="1" rtlCol="0" anchor="t" anchorCtr="0" compatLnSpc="1">
+            <a:prstTxWarp prst="textNoShape">
+              <a:avLst/>
+            </a:prstTxWarp>
+          </a:bodyPr>
+          <a:lstStyle/>
+          <a:p>
+            <a:pPr marL="0" marR="0" indent="0" algn="l" defTabSz="914400" rtl="0" eaLnBrk="1" fontAlgn="base" latinLnBrk="0" hangingPunct="1">
+              <a:lnSpc>
+                <a:spcPct val="100000"/>
+              </a:lnSpc>
+              <a:spcBef>
+                <a:spcPct val="0"/>
+              </a:spcBef>
+              <a:spcAft>
+                <a:spcPct val="0"/>
+              </a:spcAft>
+              <a:buClrTx/>
+              <a:buSzTx/>
+              <a:buFontTx/>
+              <a:buNone/>
+              <a:tabLst/>
+            </a:pPr>
+            <a:endParaRPr kumimoji="0" lang="en-GB" sz="1800" b="1" i="0" u="none" strike="noStrike" cap="none" normalizeH="0" baseline="0" dirty="0" smtClean="0">
+              <a:ln>
+                <a:noFill/>
+              </a:ln>
+              <a:solidFill>
+                <a:schemeClr val="tx1"/>
+              </a:solidFill>
+              <a:effectLst/>
+              <a:latin typeface="Lucida Sans" pitchFamily="34" charset="0"/>
+            </a:endParaRPr>
+          </a:p>
+        </p:txBody>
+      </p:sp>
+      <p:cxnSp>
+        <p:nvCxnSpPr>
+          <p:cNvPr id="6" name="Straight Arrow Connector 5"/>
+          <p:cNvCxnSpPr/>
+          <p:nvPr/>
+        </p:nvCxnSpPr>
+        <p:spPr bwMode="auto">
+          <a:xfrm flipH="1">
+            <a:off x="5364088" y="2420888"/>
+            <a:ext cx="864096" cy="288032"/>
+          </a:xfrm>
+          <a:prstGeom prst="straightConnector1">
+            <a:avLst/>
+          </a:prstGeom>
+          <a:solidFill>
+            <a:schemeClr val="accent1"/>
+          </a:solidFill>
+          <a:ln w="28575" cap="flat" cmpd="sng" algn="ctr">
+            <a:solidFill>
+              <a:srgbClr val="92D050"/>
+            </a:solidFill>
+            <a:prstDash val="solid"/>
+            <a:round/>
+            <a:headEnd type="none" w="med" len="med"/>
+            <a:tailEnd type="arrow"/>
+          </a:ln>
+          <a:effectLst/>
+        </p:spPr>
+      </p:cxnSp>
+      <p:sp>
+        <p:nvSpPr>
+          <p:cNvPr id="8" name="TextBox 7"/>
+          <p:cNvSpPr txBox="1"/>
+          <p:nvPr/>
+        </p:nvSpPr>
+        <p:spPr>
+          <a:xfrm>
+            <a:off x="6300192" y="2132856"/>
+            <a:ext cx="2007281" cy="646331"/>
+          </a:xfrm>
+          <a:prstGeom prst="rect">
+            <a:avLst/>
+          </a:prstGeom>
+          <a:noFill/>
+        </p:spPr>
+        <p:txBody>
+          <a:bodyPr wrap="none" rtlCol="0">
+            <a:spAutoFit/>
+          </a:bodyPr>
+          <a:lstStyle/>
+          <a:p>
+            <a:r>
+              <a:rPr lang="en-GB" dirty="0" smtClean="0">
+                <a:solidFill>
+                  <a:srgbClr val="92D050"/>
+                </a:solidFill>
+              </a:rPr>
+              <a:t>Now can’t type </a:t>
+            </a:r>
+          </a:p>
+          <a:p>
+            <a:r>
+              <a:rPr lang="en-GB" dirty="0" smtClean="0">
+                <a:solidFill>
+                  <a:srgbClr val="92D050"/>
+                </a:solidFill>
+              </a:rPr>
+              <a:t>letters</a:t>
+            </a:r>
+            <a:endParaRPr lang="en-GB" dirty="0">
+              <a:solidFill>
+                <a:srgbClr val="92D050"/>
+              </a:solidFill>
+            </a:endParaRPr>
+          </a:p>
+        </p:txBody>
+      </p:sp>
+      <p:sp>
+        <p:nvSpPr>
+          <p:cNvPr id="9" name="TextBox 8"/>
+          <p:cNvSpPr txBox="1"/>
+          <p:nvPr/>
+        </p:nvSpPr>
+        <p:spPr>
+          <a:xfrm>
+            <a:off x="4860032" y="3892406"/>
+            <a:ext cx="3504486" cy="369332"/>
+          </a:xfrm>
+          <a:prstGeom prst="rect">
+            <a:avLst/>
+          </a:prstGeom>
+          <a:noFill/>
+        </p:spPr>
+        <p:txBody>
+          <a:bodyPr wrap="none" rtlCol="0">
+            <a:spAutoFit/>
+          </a:bodyPr>
+          <a:lstStyle/>
+          <a:p>
+            <a:r>
+              <a:rPr lang="en-GB" dirty="0" smtClean="0">
+                <a:solidFill>
+                  <a:srgbClr val="0070C0"/>
+                </a:solidFill>
+              </a:rPr>
+              <a:t>Run with FullBinsOnly=True</a:t>
+            </a:r>
+            <a:endParaRPr lang="en-GB" dirty="0">
+              <a:solidFill>
+                <a:srgbClr val="0070C0"/>
+              </a:solidFill>
+            </a:endParaRPr>
+          </a:p>
+        </p:txBody>
+      </p:sp>
+      <p:cxnSp>
+        <p:nvCxnSpPr>
+          <p:cNvPr id="11" name="Straight Arrow Connector 10"/>
+          <p:cNvCxnSpPr/>
+          <p:nvPr/>
+        </p:nvCxnSpPr>
+        <p:spPr bwMode="auto">
+          <a:xfrm flipH="1">
+            <a:off x="4355976" y="4077072"/>
+            <a:ext cx="504056" cy="0"/>
+          </a:xfrm>
+          <a:prstGeom prst="straightConnector1">
+            <a:avLst/>
+          </a:prstGeom>
+          <a:solidFill>
+            <a:schemeClr val="accent1"/>
+          </a:solidFill>
+          <a:ln w="28575" cap="flat" cmpd="sng" algn="ctr">
+            <a:solidFill>
+              <a:srgbClr val="0070C0"/>
+            </a:solidFill>
+            <a:prstDash val="solid"/>
+            <a:round/>
+            <a:headEnd type="none" w="med" len="med"/>
+            <a:tailEnd type="arrow"/>
+          </a:ln>
+          <a:effectLst/>
+        </p:spPr>
+      </p:cxnSp>
+    </p:spTree>
+    <p:extLst>
+      <p:ext uri="{BB962C8B-B14F-4D97-AF65-F5344CB8AC3E}">
+        <p14:creationId xmlns:p14="http://schemas.microsoft.com/office/powerpoint/2010/main" val="786671762"/>
+      </p:ext>
+    </p:extLst>
+  </p:cSld>
+  <p:clrMapOvr>
+    <a:masterClrMapping/>
+  </p:clrMapOvr>
+</p:sld>
+</file>
+
+<file path=ppt/slides/slide5.xml><?xml version="1.0" encoding="utf-8"?>
+<p:sld xmlns:a="http://schemas.openxmlformats.org/drawingml/2006/main" xmlns:r="http://schemas.openxmlformats.org/officeDocument/2006/relationships" xmlns:p="http://schemas.openxmlformats.org/presentationml/2006/main">
+  <p:cSld>
+    <p:spTree>
+      <p:nvGrpSpPr>
+        <p:cNvPr id="1" name=""/>
+        <p:cNvGrpSpPr/>
+        <p:nvPr/>
+      </p:nvGrpSpPr>
+      <p:grpSpPr>
+        <a:xfrm>
+          <a:off x="0" y="0"/>
+          <a:ext cx="0" cy="0"/>
+          <a:chOff x="0" y="0"/>
+          <a:chExt cx="0" cy="0"/>
+        </a:xfrm>
+      </p:grpSpPr>
+      <p:sp>
+        <p:nvSpPr>
+          <p:cNvPr id="5" name="Title 1"/>
+          <p:cNvSpPr>
+            <a:spLocks noGrp="1"/>
+          </p:cNvSpPr>
+          <p:nvPr>
+            <p:ph type="title"/>
+          </p:nvPr>
+        </p:nvSpPr>
+        <p:spPr>
+          <a:xfrm>
+            <a:off x="457200" y="-171450"/>
+            <a:ext cx="8229600" cy="1143000"/>
+          </a:xfrm>
+        </p:spPr>
+        <p:txBody>
+          <a:bodyPr/>
+          <a:lstStyle/>
+          <a:p>
+            <a:r>
+              <a:rPr lang="en-GB" dirty="0" smtClean="0"/>
+              <a:t>MuonAnalysis – Home tab</a:t>
+            </a:r>
+            <a:endParaRPr lang="en-GB" dirty="0"/>
+          </a:p>
+        </p:txBody>
+      </p:sp>
       <p:pic>
         <p:nvPicPr>
-          <p:cNvPr id="1027" name="Picture 3"/>
+          <p:cNvPr id="3074" name="Picture 2"/>
           <p:cNvPicPr>
             <a:picLocks noChangeAspect="1" noChangeArrowheads="1"/>
           </p:cNvPicPr>
           <p:nvPr/>
         </p:nvPicPr>
         <p:blipFill>
-          <a:blip r:embed="rId4">
+          <a:blip r:embed="rId2">
             <a:extLst>
               <a:ext uri="{28A0092B-C50C-407E-A947-70E740481C1C}">
                 <a14:useLocalDpi xmlns:a14="http://schemas.microsoft.com/office/drawing/2010/main" val="0"/>
@@ -4427,8 +4496,8 @@
         </p:blipFill>
         <p:spPr bwMode="auto">
           <a:xfrm>
-            <a:off x="467544" y="1268760"/>
-            <a:ext cx="3246663" cy="2364237"/>
+            <a:off x="1446312" y="1556792"/>
+            <a:ext cx="5695950" cy="3352800"/>
           </a:xfrm>
           <a:prstGeom prst="rect">
             <a:avLst/>
@@ -4458,27 +4527,146 @@
           </a:extLst>
         </p:spPr>
       </p:pic>
+      <p:sp>
+        <p:nvSpPr>
+          <p:cNvPr id="10" name="Rounded Rectangle 9"/>
+          <p:cNvSpPr/>
+          <p:nvPr/>
+        </p:nvSpPr>
+        <p:spPr bwMode="auto">
+          <a:xfrm>
+            <a:off x="2987824" y="3717032"/>
+            <a:ext cx="1008112" cy="360040"/>
+          </a:xfrm>
+          <a:prstGeom prst="roundRect">
+            <a:avLst/>
+          </a:prstGeom>
+          <a:noFill/>
+          <a:ln w="38100" cap="flat" cmpd="sng" algn="ctr">
+            <a:solidFill>
+              <a:srgbClr val="92D050"/>
+            </a:solidFill>
+            <a:prstDash val="solid"/>
+            <a:round/>
+            <a:headEnd type="none" w="med" len="med"/>
+            <a:tailEnd type="none" w="med" len="med"/>
+          </a:ln>
+          <a:effectLst/>
+        </p:spPr>
+        <p:txBody>
+          <a:bodyPr vert="horz" wrap="square" lIns="91440" tIns="45720" rIns="91440" bIns="45720" numCol="1" rtlCol="0" anchor="t" anchorCtr="0" compatLnSpc="1">
+            <a:prstTxWarp prst="textNoShape">
+              <a:avLst/>
+            </a:prstTxWarp>
+          </a:bodyPr>
+          <a:lstStyle/>
+          <a:p>
+            <a:pPr marL="0" marR="0" indent="0" algn="l" defTabSz="914400" rtl="0" eaLnBrk="1" fontAlgn="base" latinLnBrk="0" hangingPunct="1">
+              <a:lnSpc>
+                <a:spcPct val="100000"/>
+              </a:lnSpc>
+              <a:spcBef>
+                <a:spcPct val="0"/>
+              </a:spcBef>
+              <a:spcAft>
+                <a:spcPct val="0"/>
+              </a:spcAft>
+              <a:buClrTx/>
+              <a:buSzTx/>
+              <a:buFontTx/>
+              <a:buNone/>
+              <a:tabLst/>
+            </a:pPr>
+            <a:endParaRPr kumimoji="0" lang="en-GB" sz="1800" b="1" i="0" u="none" strike="noStrike" cap="none" normalizeH="0" baseline="0" dirty="0" smtClean="0">
+              <a:ln>
+                <a:noFill/>
+              </a:ln>
+              <a:solidFill>
+                <a:schemeClr val="tx1"/>
+              </a:solidFill>
+              <a:effectLst/>
+              <a:latin typeface="Lucida Sans" pitchFamily="34" charset="0"/>
+            </a:endParaRPr>
+          </a:p>
+        </p:txBody>
+      </p:sp>
+      <p:sp>
+        <p:nvSpPr>
+          <p:cNvPr id="11" name="Rounded Rectangle 10"/>
+          <p:cNvSpPr/>
+          <p:nvPr/>
+        </p:nvSpPr>
+        <p:spPr bwMode="auto">
+          <a:xfrm>
+            <a:off x="6444208" y="3717032"/>
+            <a:ext cx="576064" cy="360040"/>
+          </a:xfrm>
+          <a:prstGeom prst="roundRect">
+            <a:avLst/>
+          </a:prstGeom>
+          <a:noFill/>
+          <a:ln w="38100" cap="flat" cmpd="sng" algn="ctr">
+            <a:solidFill>
+              <a:srgbClr val="FF0000"/>
+            </a:solidFill>
+            <a:prstDash val="solid"/>
+            <a:round/>
+            <a:headEnd type="none" w="med" len="med"/>
+            <a:tailEnd type="none" w="med" len="med"/>
+          </a:ln>
+          <a:effectLst/>
+        </p:spPr>
+        <p:txBody>
+          <a:bodyPr vert="horz" wrap="square" lIns="91440" tIns="45720" rIns="91440" bIns="45720" numCol="1" rtlCol="0" anchor="t" anchorCtr="0" compatLnSpc="1">
+            <a:prstTxWarp prst="textNoShape">
+              <a:avLst/>
+            </a:prstTxWarp>
+          </a:bodyPr>
+          <a:lstStyle/>
+          <a:p>
+            <a:pPr marL="0" marR="0" indent="0" algn="l" defTabSz="914400" rtl="0" eaLnBrk="1" fontAlgn="base" latinLnBrk="0" hangingPunct="1">
+              <a:lnSpc>
+                <a:spcPct val="100000"/>
+              </a:lnSpc>
+              <a:spcBef>
+                <a:spcPct val="0"/>
+              </a:spcBef>
+              <a:spcAft>
+                <a:spcPct val="0"/>
+              </a:spcAft>
+              <a:buClrTx/>
+              <a:buSzTx/>
+              <a:buFontTx/>
+              <a:buNone/>
+              <a:tabLst/>
+            </a:pPr>
+            <a:endParaRPr kumimoji="0" lang="en-GB" sz="1800" b="1" i="0" u="none" strike="noStrike" cap="none" normalizeH="0" baseline="0" dirty="0" smtClean="0">
+              <a:ln>
+                <a:noFill/>
+              </a:ln>
+              <a:solidFill>
+                <a:schemeClr val="tx1"/>
+              </a:solidFill>
+              <a:effectLst/>
+              <a:latin typeface="Lucida Sans" pitchFamily="34" charset="0"/>
+            </a:endParaRPr>
+          </a:p>
+        </p:txBody>
+      </p:sp>
     </p:spTree>
     <p:extLst>
       <p:ext uri="{BB962C8B-B14F-4D97-AF65-F5344CB8AC3E}">
-        <p14:creationId xmlns:p14="http://schemas.microsoft.com/office/powerpoint/2010/main" val="3930044538"/>
+        <p14:creationId xmlns:p14="http://schemas.microsoft.com/office/powerpoint/2010/main" val="2056597298"/>
       </p:ext>
     </p:extLst>
   </p:cSld>
   <p:clrMapOvr>
     <a:masterClrMapping/>
   </p:clrMapOvr>
-  <p:timing>
-    <p:tnLst>
-      <p:par>
-        <p:cTn id="1" dur="indefinite" restart="never" nodeType="tmRoot"/>
-      </p:par>
-    </p:tnLst>
-  </p:timing>
 </p:sld>
 </file>
 
-<file path=ppt/slides/slide4.xml><?xml version="1.0" encoding="utf-8"?>
+<file path=ppt/slides/slide6.xml><?xml version="1.0" encoding="utf-8"?>
 <p:sld xmlns:a="http://schemas.openxmlformats.org/drawingml/2006/main" xmlns:r="http://schemas.openxmlformats.org/officeDocument/2006/relationships" xmlns:p="http://schemas.openxmlformats.org/presentationml/2006/main">
   <p:cSld>
     <p:spTree>
@@ -4497,172 +4685,6 @@
       </p:grpSpPr>
       <p:sp>
         <p:nvSpPr>
-          <p:cNvPr id="2" name="Title 1"/>
-          <p:cNvSpPr>
-            <a:spLocks noGrp="1"/>
-          </p:cNvSpPr>
-          <p:nvPr>
-            <p:ph type="title"/>
-          </p:nvPr>
-        </p:nvSpPr>
-        <p:spPr/>
-        <p:txBody>
-          <a:bodyPr/>
-          <a:lstStyle/>
-          <a:p>
-            <a:r>
-              <a:rPr lang="en-GB" dirty="0" smtClean="0"/>
-              <a:t>MuonAnalysis</a:t>
-            </a:r>
-            <a:endParaRPr lang="en-GB" dirty="0"/>
-          </a:p>
-        </p:txBody>
-      </p:sp>
-      <p:sp>
-        <p:nvSpPr>
-          <p:cNvPr id="4" name="Content Placeholder 3"/>
-          <p:cNvSpPr>
-            <a:spLocks noGrp="1"/>
-          </p:cNvSpPr>
-          <p:nvPr>
-            <p:ph idx="1"/>
-          </p:nvPr>
-        </p:nvSpPr>
-        <p:spPr>
-          <a:xfrm>
-            <a:off x="467544" y="1700808"/>
-            <a:ext cx="8229600" cy="4205287"/>
-          </a:xfrm>
-        </p:spPr>
-        <p:txBody>
-          <a:bodyPr/>
-          <a:lstStyle/>
-          <a:p>
-            <a:r>
-              <a:rPr lang="en-GB" sz="1400" dirty="0"/>
-              <a:t>Interface can now read CHRONUS, MUT and 'old' EMU data </a:t>
-            </a:r>
-          </a:p>
-          <a:p>
-            <a:r>
-              <a:rPr lang="en-GB" sz="1400" dirty="0"/>
-              <a:t>Make the interface less sensitive to filenames, e.g. can now use 00015189.nxs instead of MUSR00015189.nxs </a:t>
-            </a:r>
-          </a:p>
-          <a:p>
-            <a:r>
-              <a:rPr lang="en-GB" sz="1400" dirty="0"/>
-              <a:t>Added new option to Rebin algorihtm, FullBinsOnly so that can ignore last bin that may have width smaller than that requested bin width </a:t>
-            </a:r>
-          </a:p>
-          <a:p>
-            <a:r>
-              <a:rPr lang="en-GB" sz="1400" dirty="0"/>
-              <a:t>'Force' the user to use numeric characters for text boxes where alphabetic characters does not make sense </a:t>
-            </a:r>
-          </a:p>
-          <a:p>
-            <a:r>
-              <a:rPr lang="en-GB" sz="1400" dirty="0"/>
-              <a:t>The results table created from the 'Results Table' tab made editable </a:t>
-            </a:r>
-          </a:p>
-          <a:p>
-            <a:r>
-              <a:rPr lang="en-GB" sz="1400" dirty="0"/>
-              <a:t>Remove unpredictable bug that sometimes happened when datasets read in quick succession, by refactoring how groupping is handled within interface </a:t>
-            </a:r>
-          </a:p>
-          <a:p>
-            <a:r>
-              <a:rPr lang="en-GB" sz="1400" dirty="0"/>
-              <a:t>Fix bug to allow loading of data from the same instrument but where the number of histograms varies </a:t>
-            </a:r>
-          </a:p>
-          <a:p>
-            <a:r>
-              <a:rPr lang="en-GB" sz="1400" dirty="0"/>
-              <a:t>Add new plot policy option: "Use previous window" in Settings tab, which if selected will plot new data in previous plot window </a:t>
-            </a:r>
-          </a:p>
-          <a:p>
-            <a:r>
-              <a:rPr lang="en-GB" sz="1400" dirty="0"/>
-              <a:t>Allow data with zero good frames to be loaded and display warning to user </a:t>
-            </a:r>
-          </a:p>
-          <a:p>
-            <a:r>
-              <a:rPr lang="en-GB" sz="1400" dirty="0"/>
-              <a:t>Updated 'run information' to output Frames, and Counts to 3 decimal </a:t>
-            </a:r>
-          </a:p>
-          <a:p>
-            <a:endParaRPr lang="en-GB" sz="1400" dirty="0"/>
-          </a:p>
-        </p:txBody>
-      </p:sp>
-      <p:sp>
-        <p:nvSpPr>
-          <p:cNvPr id="5" name="TextBox 4"/>
-          <p:cNvSpPr txBox="1"/>
-          <p:nvPr/>
-        </p:nvSpPr>
-        <p:spPr>
-          <a:xfrm>
-            <a:off x="467544" y="1196752"/>
-            <a:ext cx="7903126" cy="369332"/>
-          </a:xfrm>
-          <a:prstGeom prst="rect">
-            <a:avLst/>
-          </a:prstGeom>
-          <a:noFill/>
-        </p:spPr>
-        <p:txBody>
-          <a:bodyPr wrap="none" rtlCol="0">
-            <a:spAutoFit/>
-          </a:bodyPr>
-          <a:lstStyle/>
-          <a:p>
-            <a:r>
-              <a:rPr lang="en-GB" dirty="0"/>
-              <a:t>http://www.mantidproject.org/Release_Notes_3_2_MuonAnalysis</a:t>
-            </a:r>
-          </a:p>
-        </p:txBody>
-      </p:sp>
-    </p:spTree>
-    <p:extLst>
-      <p:ext uri="{BB962C8B-B14F-4D97-AF65-F5344CB8AC3E}">
-        <p14:creationId xmlns:p14="http://schemas.microsoft.com/office/powerpoint/2010/main" val="812407484"/>
-      </p:ext>
-    </p:extLst>
-  </p:cSld>
-  <p:clrMapOvr>
-    <a:masterClrMapping/>
-  </p:clrMapOvr>
-</p:sld>
-</file>
-
-<file path=ppt/slides/slide5.xml><?xml version="1.0" encoding="utf-8"?>
-<p:sld xmlns:a="http://schemas.openxmlformats.org/drawingml/2006/main" xmlns:r="http://schemas.openxmlformats.org/officeDocument/2006/relationships" xmlns:p="http://schemas.openxmlformats.org/presentationml/2006/main">
-  <p:cSld>
-    <p:spTree>
-      <p:nvGrpSpPr>
-        <p:cNvPr id="1" name=""/>
-        <p:cNvGrpSpPr/>
-        <p:nvPr/>
-      </p:nvGrpSpPr>
-      <p:grpSpPr>
-        <a:xfrm>
-          <a:off x="0" y="0"/>
-          <a:ext cx="0" cy="0"/>
-          <a:chOff x="0" y="0"/>
-          <a:chExt cx="0" cy="0"/>
-        </a:xfrm>
-      </p:grpSpPr>
-      <p:sp>
-        <p:nvSpPr>
           <p:cNvPr id="5" name="Title 1"/>
           <p:cNvSpPr>
             <a:spLocks noGrp="1"/>
@@ -4671,22 +4693,34 @@
             <p:ph type="title"/>
           </p:nvPr>
         </p:nvSpPr>
-        <p:spPr/>
+        <p:spPr>
+          <a:xfrm>
+            <a:off x="457200" y="-18256"/>
+            <a:ext cx="8229600" cy="1143000"/>
+          </a:xfrm>
+        </p:spPr>
         <p:txBody>
           <a:bodyPr/>
           <a:lstStyle/>
           <a:p>
             <a:r>
               <a:rPr lang="en-GB" dirty="0" smtClean="0"/>
-              <a:t>MuonAnalysis – Settings tab</a:t>
-            </a:r>
-            <a:endParaRPr lang="en-GB" dirty="0"/>
+              <a:t>New ACL Interface</a:t>
+            </a:r>
+            <a:br>
+              <a:rPr lang="en-GB" dirty="0" smtClean="0"/>
+            </a:br>
+            <a:r>
+              <a:rPr lang="en-GB" sz="2000" dirty="0" smtClean="0"/>
+              <a:t>(ACL = Avoided Level Crossing)</a:t>
+            </a:r>
+            <a:endParaRPr lang="en-GB" sz="2000" dirty="0"/>
           </a:p>
         </p:txBody>
       </p:sp>
       <p:pic>
         <p:nvPicPr>
-          <p:cNvPr id="4098" name="Picture 2"/>
+          <p:cNvPr id="5122" name="Picture 2"/>
           <p:cNvPicPr>
             <a:picLocks noChangeAspect="1" noChangeArrowheads="1"/>
           </p:cNvPicPr>
@@ -4707,8 +4741,8 @@
         </p:blipFill>
         <p:spPr bwMode="auto">
           <a:xfrm>
-            <a:off x="1881188" y="1385888"/>
-            <a:ext cx="5381625" cy="4086225"/>
+            <a:off x="447675" y="1062038"/>
+            <a:ext cx="8248650" cy="4733925"/>
           </a:xfrm>
           <a:prstGeom prst="rect">
             <a:avLst/>
@@ -4738,217 +4772,10 @@
           </a:extLst>
         </p:spPr>
       </p:pic>
-      <p:sp>
-        <p:nvSpPr>
-          <p:cNvPr id="3" name="Rounded Rectangle 2"/>
-          <p:cNvSpPr/>
-          <p:nvPr/>
-        </p:nvSpPr>
-        <p:spPr bwMode="auto">
-          <a:xfrm>
-            <a:off x="2843808" y="4941168"/>
-            <a:ext cx="2304256" cy="216024"/>
-          </a:xfrm>
-          <a:prstGeom prst="roundRect">
-            <a:avLst/>
-          </a:prstGeom>
-          <a:noFill/>
-          <a:ln w="38100" cap="flat" cmpd="sng" algn="ctr">
-            <a:solidFill>
-              <a:srgbClr val="FF0000"/>
-            </a:solidFill>
-            <a:prstDash val="solid"/>
-            <a:round/>
-            <a:headEnd type="none" w="med" len="med"/>
-            <a:tailEnd type="none" w="med" len="med"/>
-          </a:ln>
-          <a:effectLst/>
-        </p:spPr>
-        <p:txBody>
-          <a:bodyPr vert="horz" wrap="square" lIns="91440" tIns="45720" rIns="91440" bIns="45720" numCol="1" rtlCol="0" anchor="t" anchorCtr="0" compatLnSpc="1">
-            <a:prstTxWarp prst="textNoShape">
-              <a:avLst/>
-            </a:prstTxWarp>
-          </a:bodyPr>
-          <a:lstStyle/>
-          <a:p>
-            <a:pPr marL="0" marR="0" indent="0" algn="l" defTabSz="914400" rtl="0" eaLnBrk="1" fontAlgn="base" latinLnBrk="0" hangingPunct="1">
-              <a:lnSpc>
-                <a:spcPct val="100000"/>
-              </a:lnSpc>
-              <a:spcBef>
-                <a:spcPct val="0"/>
-              </a:spcBef>
-              <a:spcAft>
-                <a:spcPct val="0"/>
-              </a:spcAft>
-              <a:buClrTx/>
-              <a:buSzTx/>
-              <a:buFontTx/>
-              <a:buNone/>
-              <a:tabLst/>
-            </a:pPr>
-            <a:endParaRPr kumimoji="0" lang="en-GB" sz="1800" b="1" i="0" u="none" strike="noStrike" cap="none" normalizeH="0" baseline="0" dirty="0" smtClean="0">
-              <a:ln>
-                <a:noFill/>
-              </a:ln>
-              <a:solidFill>
-                <a:schemeClr val="tx1"/>
-              </a:solidFill>
-              <a:effectLst/>
-              <a:latin typeface="Lucida Sans" pitchFamily="34" charset="0"/>
-            </a:endParaRPr>
-          </a:p>
-        </p:txBody>
-      </p:sp>
-      <p:cxnSp>
-        <p:nvCxnSpPr>
-          <p:cNvPr id="6" name="Straight Arrow Connector 5"/>
-          <p:cNvCxnSpPr/>
-          <p:nvPr/>
-        </p:nvCxnSpPr>
-        <p:spPr bwMode="auto">
-          <a:xfrm flipH="1">
-            <a:off x="5364088" y="2420888"/>
-            <a:ext cx="864096" cy="288032"/>
-          </a:xfrm>
-          <a:prstGeom prst="straightConnector1">
-            <a:avLst/>
-          </a:prstGeom>
-          <a:solidFill>
-            <a:schemeClr val="accent1"/>
-          </a:solidFill>
-          <a:ln w="28575" cap="flat" cmpd="sng" algn="ctr">
-            <a:solidFill>
-              <a:srgbClr val="92D050"/>
-            </a:solidFill>
-            <a:prstDash val="solid"/>
-            <a:round/>
-            <a:headEnd type="none" w="med" len="med"/>
-            <a:tailEnd type="arrow"/>
-          </a:ln>
-          <a:effectLst/>
-        </p:spPr>
-      </p:cxnSp>
-      <p:sp>
-        <p:nvSpPr>
-          <p:cNvPr id="8" name="TextBox 7"/>
-          <p:cNvSpPr txBox="1"/>
-          <p:nvPr/>
-        </p:nvSpPr>
-        <p:spPr>
-          <a:xfrm>
-            <a:off x="6300192" y="2132856"/>
-            <a:ext cx="2007281" cy="646331"/>
-          </a:xfrm>
-          <a:prstGeom prst="rect">
-            <a:avLst/>
-          </a:prstGeom>
-          <a:noFill/>
-        </p:spPr>
-        <p:txBody>
-          <a:bodyPr wrap="none" rtlCol="0">
-            <a:spAutoFit/>
-          </a:bodyPr>
-          <a:lstStyle/>
-          <a:p>
-            <a:r>
-              <a:rPr lang="en-GB" dirty="0" smtClean="0">
-                <a:solidFill>
-                  <a:srgbClr val="92D050"/>
-                </a:solidFill>
-              </a:rPr>
-              <a:t>Now can’t type </a:t>
-            </a:r>
-          </a:p>
-          <a:p>
-            <a:r>
-              <a:rPr lang="en-GB" dirty="0" smtClean="0">
-                <a:solidFill>
-                  <a:srgbClr val="92D050"/>
-                </a:solidFill>
-              </a:rPr>
-              <a:t>letters</a:t>
-            </a:r>
-            <a:endParaRPr lang="en-GB" dirty="0">
-              <a:solidFill>
-                <a:srgbClr val="92D050"/>
-              </a:solidFill>
-            </a:endParaRPr>
-          </a:p>
-        </p:txBody>
-      </p:sp>
-      <p:sp>
-        <p:nvSpPr>
-          <p:cNvPr id="9" name="TextBox 8"/>
-          <p:cNvSpPr txBox="1"/>
-          <p:nvPr/>
-        </p:nvSpPr>
-        <p:spPr>
-          <a:xfrm>
-            <a:off x="4860032" y="3892406"/>
-            <a:ext cx="3504486" cy="369332"/>
-          </a:xfrm>
-          <a:prstGeom prst="rect">
-            <a:avLst/>
-          </a:prstGeom>
-          <a:noFill/>
-        </p:spPr>
-        <p:txBody>
-          <a:bodyPr wrap="none" rtlCol="0">
-            <a:spAutoFit/>
-          </a:bodyPr>
-          <a:lstStyle/>
-          <a:p>
-            <a:r>
-              <a:rPr lang="en-GB" dirty="0" smtClean="0">
-                <a:solidFill>
-                  <a:srgbClr val="0070C0"/>
-                </a:solidFill>
-              </a:rPr>
-              <a:t>Run with FullBinsOnly=True</a:t>
-            </a:r>
-            <a:endParaRPr lang="en-GB" dirty="0">
-              <a:solidFill>
-                <a:srgbClr val="0070C0"/>
-              </a:solidFill>
-            </a:endParaRPr>
-          </a:p>
-        </p:txBody>
-      </p:sp>
-      <p:cxnSp>
-        <p:nvCxnSpPr>
-          <p:cNvPr id="11" name="Straight Arrow Connector 10"/>
-          <p:cNvCxnSpPr/>
-          <p:nvPr/>
-        </p:nvCxnSpPr>
-        <p:spPr bwMode="auto">
-          <a:xfrm flipH="1">
-            <a:off x="4355976" y="4077072"/>
-            <a:ext cx="504056" cy="0"/>
-          </a:xfrm>
-          <a:prstGeom prst="straightConnector1">
-            <a:avLst/>
-          </a:prstGeom>
-          <a:solidFill>
-            <a:schemeClr val="accent1"/>
-          </a:solidFill>
-          <a:ln w="28575" cap="flat" cmpd="sng" algn="ctr">
-            <a:solidFill>
-              <a:srgbClr val="0070C0"/>
-            </a:solidFill>
-            <a:prstDash val="solid"/>
-            <a:round/>
-            <a:headEnd type="none" w="med" len="med"/>
-            <a:tailEnd type="arrow"/>
-          </a:ln>
-          <a:effectLst/>
-        </p:spPr>
-      </p:cxnSp>
     </p:spTree>
     <p:extLst>
       <p:ext uri="{BB962C8B-B14F-4D97-AF65-F5344CB8AC3E}">
-        <p14:creationId xmlns:p14="http://schemas.microsoft.com/office/powerpoint/2010/main" val="786671762"/>
+        <p14:creationId xmlns:p14="http://schemas.microsoft.com/office/powerpoint/2010/main" val="1533458792"/>
       </p:ext>
     </p:extLst>
   </p:cSld>
@@ -4958,7 +4785,7 @@
 </p:sld>
 </file>
 
-<file path=ppt/slides/slide6.xml><?xml version="1.0" encoding="utf-8"?>
+<file path=ppt/slides/slide7.xml><?xml version="1.0" encoding="utf-8"?>
 <p:sld xmlns:a="http://schemas.openxmlformats.org/drawingml/2006/main" xmlns:r="http://schemas.openxmlformats.org/officeDocument/2006/relationships" xmlns:p="http://schemas.openxmlformats.org/presentationml/2006/main">
   <p:cSld>
     <p:spTree>
@@ -4987,7 +4814,7 @@
         </p:nvSpPr>
         <p:spPr>
           <a:xfrm>
-            <a:off x="457200" y="-171450"/>
+            <a:off x="457200" y="-18256"/>
             <a:ext cx="8229600" cy="1143000"/>
           </a:xfrm>
         </p:spPr>
@@ -4997,15 +4824,22 @@
           <a:p>
             <a:r>
               <a:rPr lang="en-GB" dirty="0" smtClean="0"/>
-              <a:t>MuonAnalysis – Home tab</a:t>
-            </a:r>
-            <a:endParaRPr lang="en-GB" dirty="0"/>
+              <a:t>New ACL Interface</a:t>
+            </a:r>
+            <a:br>
+              <a:rPr lang="en-GB" dirty="0" smtClean="0"/>
+            </a:br>
+            <a:r>
+              <a:rPr lang="en-GB" sz="2000" dirty="0" smtClean="0"/>
+              <a:t>(ACL = Avoided Level Crossing)</a:t>
+            </a:r>
+            <a:endParaRPr lang="en-GB" sz="2000" dirty="0"/>
           </a:p>
         </p:txBody>
       </p:sp>
       <p:pic>
         <p:nvPicPr>
-          <p:cNvPr id="3074" name="Picture 2"/>
+          <p:cNvPr id="6146" name="Picture 2"/>
           <p:cNvPicPr>
             <a:picLocks noChangeAspect="1" noChangeArrowheads="1"/>
           </p:cNvPicPr>
@@ -5026,8 +4860,8 @@
         </p:blipFill>
         <p:spPr bwMode="auto">
           <a:xfrm>
-            <a:off x="1446312" y="1556792"/>
-            <a:ext cx="5695950" cy="3352800"/>
+            <a:off x="428625" y="1052513"/>
+            <a:ext cx="8286750" cy="4752975"/>
           </a:xfrm>
           <a:prstGeom prst="rect">
             <a:avLst/>
@@ -5057,255 +4891,10 @@
           </a:extLst>
         </p:spPr>
       </p:pic>
-      <p:sp>
-        <p:nvSpPr>
-          <p:cNvPr id="10" name="Rounded Rectangle 9"/>
-          <p:cNvSpPr/>
-          <p:nvPr/>
-        </p:nvSpPr>
-        <p:spPr bwMode="auto">
-          <a:xfrm>
-            <a:off x="2987824" y="3717032"/>
-            <a:ext cx="1008112" cy="360040"/>
-          </a:xfrm>
-          <a:prstGeom prst="roundRect">
-            <a:avLst/>
-          </a:prstGeom>
-          <a:noFill/>
-          <a:ln w="38100" cap="flat" cmpd="sng" algn="ctr">
-            <a:solidFill>
-              <a:srgbClr val="92D050"/>
-            </a:solidFill>
-            <a:prstDash val="solid"/>
-            <a:round/>
-            <a:headEnd type="none" w="med" len="med"/>
-            <a:tailEnd type="none" w="med" len="med"/>
-          </a:ln>
-          <a:effectLst/>
-        </p:spPr>
-        <p:txBody>
-          <a:bodyPr vert="horz" wrap="square" lIns="91440" tIns="45720" rIns="91440" bIns="45720" numCol="1" rtlCol="0" anchor="t" anchorCtr="0" compatLnSpc="1">
-            <a:prstTxWarp prst="textNoShape">
-              <a:avLst/>
-            </a:prstTxWarp>
-          </a:bodyPr>
-          <a:lstStyle/>
-          <a:p>
-            <a:pPr marL="0" marR="0" indent="0" algn="l" defTabSz="914400" rtl="0" eaLnBrk="1" fontAlgn="base" latinLnBrk="0" hangingPunct="1">
-              <a:lnSpc>
-                <a:spcPct val="100000"/>
-              </a:lnSpc>
-              <a:spcBef>
-                <a:spcPct val="0"/>
-              </a:spcBef>
-              <a:spcAft>
-                <a:spcPct val="0"/>
-              </a:spcAft>
-              <a:buClrTx/>
-              <a:buSzTx/>
-              <a:buFontTx/>
-              <a:buNone/>
-              <a:tabLst/>
-            </a:pPr>
-            <a:endParaRPr kumimoji="0" lang="en-GB" sz="1800" b="1" i="0" u="none" strike="noStrike" cap="none" normalizeH="0" baseline="0" dirty="0" smtClean="0">
-              <a:ln>
-                <a:noFill/>
-              </a:ln>
-              <a:solidFill>
-                <a:schemeClr val="tx1"/>
-              </a:solidFill>
-              <a:effectLst/>
-              <a:latin typeface="Lucida Sans" pitchFamily="34" charset="0"/>
-            </a:endParaRPr>
-          </a:p>
-        </p:txBody>
-      </p:sp>
-      <p:sp>
-        <p:nvSpPr>
-          <p:cNvPr id="11" name="Rounded Rectangle 10"/>
-          <p:cNvSpPr/>
-          <p:nvPr/>
-        </p:nvSpPr>
-        <p:spPr bwMode="auto">
-          <a:xfrm>
-            <a:off x="6444208" y="3717032"/>
-            <a:ext cx="576064" cy="360040"/>
-          </a:xfrm>
-          <a:prstGeom prst="roundRect">
-            <a:avLst/>
-          </a:prstGeom>
-          <a:noFill/>
-          <a:ln w="38100" cap="flat" cmpd="sng" algn="ctr">
-            <a:solidFill>
-              <a:srgbClr val="FF0000"/>
-            </a:solidFill>
-            <a:prstDash val="solid"/>
-            <a:round/>
-            <a:headEnd type="none" w="med" len="med"/>
-            <a:tailEnd type="none" w="med" len="med"/>
-          </a:ln>
-          <a:effectLst/>
-        </p:spPr>
-        <p:txBody>
-          <a:bodyPr vert="horz" wrap="square" lIns="91440" tIns="45720" rIns="91440" bIns="45720" numCol="1" rtlCol="0" anchor="t" anchorCtr="0" compatLnSpc="1">
-            <a:prstTxWarp prst="textNoShape">
-              <a:avLst/>
-            </a:prstTxWarp>
-          </a:bodyPr>
-          <a:lstStyle/>
-          <a:p>
-            <a:pPr marL="0" marR="0" indent="0" algn="l" defTabSz="914400" rtl="0" eaLnBrk="1" fontAlgn="base" latinLnBrk="0" hangingPunct="1">
-              <a:lnSpc>
-                <a:spcPct val="100000"/>
-              </a:lnSpc>
-              <a:spcBef>
-                <a:spcPct val="0"/>
-              </a:spcBef>
-              <a:spcAft>
-                <a:spcPct val="0"/>
-              </a:spcAft>
-              <a:buClrTx/>
-              <a:buSzTx/>
-              <a:buFontTx/>
-              <a:buNone/>
-              <a:tabLst/>
-            </a:pPr>
-            <a:endParaRPr kumimoji="0" lang="en-GB" sz="1800" b="1" i="0" u="none" strike="noStrike" cap="none" normalizeH="0" baseline="0" dirty="0" smtClean="0">
-              <a:ln>
-                <a:noFill/>
-              </a:ln>
-              <a:solidFill>
-                <a:schemeClr val="tx1"/>
-              </a:solidFill>
-              <a:effectLst/>
-              <a:latin typeface="Lucida Sans" pitchFamily="34" charset="0"/>
-            </a:endParaRPr>
-          </a:p>
-        </p:txBody>
-      </p:sp>
     </p:spTree>
     <p:extLst>
       <p:ext uri="{BB962C8B-B14F-4D97-AF65-F5344CB8AC3E}">
-        <p14:creationId xmlns:p14="http://schemas.microsoft.com/office/powerpoint/2010/main" val="2056597298"/>
-      </p:ext>
-    </p:extLst>
-  </p:cSld>
-  <p:clrMapOvr>
-    <a:masterClrMapping/>
-  </p:clrMapOvr>
-</p:sld>
-</file>
-
-<file path=ppt/slides/slide7.xml><?xml version="1.0" encoding="utf-8"?>
-<p:sld xmlns:a="http://schemas.openxmlformats.org/drawingml/2006/main" xmlns:r="http://schemas.openxmlformats.org/officeDocument/2006/relationships" xmlns:p="http://schemas.openxmlformats.org/presentationml/2006/main">
-  <p:cSld>
-    <p:spTree>
-      <p:nvGrpSpPr>
-        <p:cNvPr id="1" name=""/>
-        <p:cNvGrpSpPr/>
-        <p:nvPr/>
-      </p:nvGrpSpPr>
-      <p:grpSpPr>
-        <a:xfrm>
-          <a:off x="0" y="0"/>
-          <a:ext cx="0" cy="0"/>
-          <a:chOff x="0" y="0"/>
-          <a:chExt cx="0" cy="0"/>
-        </a:xfrm>
-      </p:grpSpPr>
-      <p:sp>
-        <p:nvSpPr>
-          <p:cNvPr id="5" name="Title 1"/>
-          <p:cNvSpPr>
-            <a:spLocks noGrp="1"/>
-          </p:cNvSpPr>
-          <p:nvPr>
-            <p:ph type="title"/>
-          </p:nvPr>
-        </p:nvSpPr>
-        <p:spPr>
-          <a:xfrm>
-            <a:off x="457200" y="-18256"/>
-            <a:ext cx="8229600" cy="1143000"/>
-          </a:xfrm>
-        </p:spPr>
-        <p:txBody>
-          <a:bodyPr/>
-          <a:lstStyle/>
-          <a:p>
-            <a:r>
-              <a:rPr lang="en-GB" dirty="0" smtClean="0"/>
-              <a:t>New ACL Interface</a:t>
-            </a:r>
-            <a:br>
-              <a:rPr lang="en-GB" dirty="0" smtClean="0"/>
-            </a:br>
-            <a:r>
-              <a:rPr lang="en-GB" sz="2000" dirty="0" smtClean="0"/>
-              <a:t>(ACL = Avoided Level Crossing)</a:t>
-            </a:r>
-            <a:endParaRPr lang="en-GB" sz="2000" dirty="0"/>
-          </a:p>
-        </p:txBody>
-      </p:sp>
-      <p:pic>
-        <p:nvPicPr>
-          <p:cNvPr id="5122" name="Picture 2"/>
-          <p:cNvPicPr>
-            <a:picLocks noChangeAspect="1" noChangeArrowheads="1"/>
-          </p:cNvPicPr>
-          <p:nvPr/>
-        </p:nvPicPr>
-        <p:blipFill>
-          <a:blip r:embed="rId2">
-            <a:extLst>
-              <a:ext uri="{28A0092B-C50C-407E-A947-70E740481C1C}">
-                <a14:useLocalDpi xmlns:a14="http://schemas.microsoft.com/office/drawing/2010/main" val="0"/>
-              </a:ext>
-            </a:extLst>
-          </a:blip>
-          <a:srcRect/>
-          <a:stretch>
-            <a:fillRect/>
-          </a:stretch>
-        </p:blipFill>
-        <p:spPr bwMode="auto">
-          <a:xfrm>
-            <a:off x="447675" y="1062038"/>
-            <a:ext cx="8248650" cy="4733925"/>
-          </a:xfrm>
-          <a:prstGeom prst="rect">
-            <a:avLst/>
-          </a:prstGeom>
-          <a:noFill/>
-          <a:ln>
-            <a:noFill/>
-          </a:ln>
-          <a:extLst>
-            <a:ext uri="{909E8E84-426E-40DD-AFC4-6F175D3DCCD1}">
-              <a14:hiddenFill xmlns:a14="http://schemas.microsoft.com/office/drawing/2010/main">
-                <a:solidFill>
-                  <a:schemeClr val="accent1"/>
-                </a:solidFill>
-              </a14:hiddenFill>
-            </a:ext>
-            <a:ext uri="{91240B29-F687-4F45-9708-019B960494DF}">
-              <a14:hiddenLine xmlns:a14="http://schemas.microsoft.com/office/drawing/2010/main" w="9525">
-                <a:solidFill>
-                  <a:schemeClr val="tx1"/>
-                </a:solidFill>
-                <a:miter lim="800000"/>
-                <a:headEnd/>
-                <a:tailEnd/>
-              </a14:hiddenLine>
-            </a:ext>
-          </a:extLst>
-        </p:spPr>
-      </p:pic>
-    </p:spTree>
-    <p:extLst>
-      <p:ext uri="{BB962C8B-B14F-4D97-AF65-F5344CB8AC3E}">
-        <p14:creationId xmlns:p14="http://schemas.microsoft.com/office/powerpoint/2010/main" val="1533458792"/>
+        <p14:creationId xmlns:p14="http://schemas.microsoft.com/office/powerpoint/2010/main" val="3225098390"/>
       </p:ext>
     </p:extLst>
   </p:cSld>
@@ -5369,7 +4958,7 @@
       </p:sp>
       <p:pic>
         <p:nvPicPr>
-          <p:cNvPr id="6146" name="Picture 2"/>
+          <p:cNvPr id="7170" name="Picture 2"/>
           <p:cNvPicPr>
             <a:picLocks noChangeAspect="1" noChangeArrowheads="1"/>
           </p:cNvPicPr>
@@ -5390,8 +4979,8 @@
         </p:blipFill>
         <p:spPr bwMode="auto">
           <a:xfrm>
-            <a:off x="428625" y="1052513"/>
-            <a:ext cx="8286750" cy="4752975"/>
+            <a:off x="433388" y="1057275"/>
+            <a:ext cx="8277225" cy="4743450"/>
           </a:xfrm>
           <a:prstGeom prst="rect">
             <a:avLst/>
@@ -5473,14 +5062,7 @@
           <a:p>
             <a:r>
               <a:rPr lang="en-GB" dirty="0" smtClean="0"/>
-              <a:t>New ACL Interface</a:t>
-            </a:r>
-            <a:br>
-              <a:rPr lang="en-GB" dirty="0" smtClean="0"/>
-            </a:br>
-            <a:r>
-              <a:rPr lang="en-GB" sz="2000" dirty="0" smtClean="0"/>
-              <a:t>(ACL = Avoided Level Crossing)</a:t>
+              <a:t>Muon Other</a:t>
             </a:r>
             <a:endParaRPr lang="en-GB" sz="2000" dirty="0"/>
           </a:p>
@@ -5488,7 +5070,7 @@
       </p:sp>
       <p:pic>
         <p:nvPicPr>
-          <p:cNvPr id="7170" name="Picture 2"/>
+          <p:cNvPr id="8196" name="Picture 4"/>
           <p:cNvPicPr>
             <a:picLocks noChangeAspect="1" noChangeArrowheads="1"/>
           </p:cNvPicPr>
@@ -5509,8 +5091,8 @@
         </p:blipFill>
         <p:spPr bwMode="auto">
           <a:xfrm>
-            <a:off x="433388" y="1057275"/>
-            <a:ext cx="8277225" cy="4743450"/>
+            <a:off x="3131839" y="1189162"/>
+            <a:ext cx="5648325" cy="4819650"/>
           </a:xfrm>
           <a:prstGeom prst="rect">
             <a:avLst/>
@@ -5540,6 +5122,164 @@
           </a:extLst>
         </p:spPr>
       </p:pic>
+      <p:sp>
+        <p:nvSpPr>
+          <p:cNvPr id="2" name="TextBox 1"/>
+          <p:cNvSpPr txBox="1"/>
+          <p:nvPr/>
+        </p:nvSpPr>
+        <p:spPr>
+          <a:xfrm>
+            <a:off x="611560" y="1986955"/>
+            <a:ext cx="1944216" cy="2677656"/>
+          </a:xfrm>
+          <a:prstGeom prst="rect">
+            <a:avLst/>
+          </a:prstGeom>
+          <a:noFill/>
+        </p:spPr>
+        <p:txBody>
+          <a:bodyPr wrap="square" rtlCol="0">
+            <a:spAutoFit/>
+          </a:bodyPr>
+          <a:lstStyle/>
+          <a:p>
+            <a:pPr marL="285750" indent="-285750">
+              <a:buFont typeface="Arial" panose="020B0604020202020204" pitchFamily="34" charset="0"/>
+              <a:buChar char="•"/>
+            </a:pPr>
+            <a:r>
+              <a:rPr lang="en-GB" sz="1400" dirty="0">
+                <a:solidFill>
+                  <a:srgbClr val="0070C0"/>
+                </a:solidFill>
+              </a:rPr>
+              <a:t>Show high level summary formula string in fit function toolbox </a:t>
+            </a:r>
+          </a:p>
+          <a:p>
+            <a:pPr marL="285750" indent="-285750">
+              <a:buFont typeface="Arial" panose="020B0604020202020204" pitchFamily="34" charset="0"/>
+              <a:buChar char="•"/>
+            </a:pPr>
+            <a:r>
+              <a:rPr lang="en-GB" sz="1400" dirty="0">
+                <a:solidFill>
+                  <a:srgbClr val="FF0000"/>
+                </a:solidFill>
+              </a:rPr>
+              <a:t>Show error in fitting tab </a:t>
+            </a:r>
+          </a:p>
+          <a:p>
+            <a:pPr marL="285750" indent="-285750">
+              <a:buFont typeface="Arial" panose="020B0604020202020204" pitchFamily="34" charset="0"/>
+              <a:buChar char="•"/>
+            </a:pPr>
+            <a:r>
+              <a:rPr lang="en-GB" sz="1400" dirty="0"/>
+              <a:t>Wrap Fortran </a:t>
+            </a:r>
+            <a:r>
+              <a:rPr lang="en-GB" sz="1400" dirty="0" err="1"/>
+              <a:t>MaxEnt</a:t>
+            </a:r>
+            <a:r>
+              <a:rPr lang="en-GB" sz="1400" dirty="0"/>
+              <a:t> routine in F2Py and expose to Mantid </a:t>
+            </a:r>
+          </a:p>
+        </p:txBody>
+      </p:sp>
+      <p:cxnSp>
+        <p:nvCxnSpPr>
+          <p:cNvPr id="4" name="Straight Arrow Connector 3"/>
+          <p:cNvCxnSpPr/>
+          <p:nvPr/>
+        </p:nvCxnSpPr>
+        <p:spPr bwMode="auto">
+          <a:xfrm>
+            <a:off x="2555776" y="2492896"/>
+            <a:ext cx="1296144" cy="504056"/>
+          </a:xfrm>
+          <a:prstGeom prst="straightConnector1">
+            <a:avLst/>
+          </a:prstGeom>
+          <a:solidFill>
+            <a:schemeClr val="accent1"/>
+          </a:solidFill>
+          <a:ln w="25400" cap="flat" cmpd="sng" algn="ctr">
+            <a:solidFill>
+              <a:srgbClr val="0070C0"/>
+            </a:solidFill>
+            <a:prstDash val="solid"/>
+            <a:round/>
+            <a:headEnd type="none" w="med" len="med"/>
+            <a:tailEnd type="arrow"/>
+          </a:ln>
+          <a:effectLst/>
+        </p:spPr>
+      </p:cxnSp>
+      <p:cxnSp>
+        <p:nvCxnSpPr>
+          <p:cNvPr id="7" name="Straight Arrow Connector 6"/>
+          <p:cNvCxnSpPr/>
+          <p:nvPr/>
+        </p:nvCxnSpPr>
+        <p:spPr bwMode="auto">
+          <a:xfrm>
+            <a:off x="2555776" y="3325783"/>
+            <a:ext cx="3888432" cy="273204"/>
+          </a:xfrm>
+          <a:prstGeom prst="straightConnector1">
+            <a:avLst/>
+          </a:prstGeom>
+          <a:solidFill>
+            <a:schemeClr val="accent1"/>
+          </a:solidFill>
+          <a:ln w="25400" cap="flat" cmpd="sng" algn="ctr">
+            <a:solidFill>
+              <a:srgbClr val="FF0000"/>
+            </a:solidFill>
+            <a:prstDash val="solid"/>
+            <a:round/>
+            <a:headEnd type="none" w="med" len="med"/>
+            <a:tailEnd type="arrow"/>
+          </a:ln>
+          <a:effectLst/>
+        </p:spPr>
+      </p:cxnSp>
+      <p:cxnSp>
+        <p:nvCxnSpPr>
+          <p:cNvPr id="10" name="Straight Arrow Connector 9"/>
+          <p:cNvCxnSpPr>
+            <a:stCxn id="2" idx="3"/>
+          </p:cNvCxnSpPr>
+          <p:nvPr/>
+        </p:nvCxnSpPr>
+        <p:spPr bwMode="auto">
+          <a:xfrm>
+            <a:off x="2555776" y="3325783"/>
+            <a:ext cx="3400225" cy="2551489"/>
+          </a:xfrm>
+          <a:prstGeom prst="straightConnector1">
+            <a:avLst/>
+          </a:prstGeom>
+          <a:solidFill>
+            <a:schemeClr val="accent1"/>
+          </a:solidFill>
+          <a:ln w="25400" cap="flat" cmpd="sng" algn="ctr">
+            <a:solidFill>
+              <a:srgbClr val="FF0000"/>
+            </a:solidFill>
+            <a:prstDash val="solid"/>
+            <a:round/>
+            <a:headEnd type="none" w="med" len="med"/>
+            <a:tailEnd type="arrow"/>
+          </a:ln>
+          <a:effectLst/>
+        </p:spPr>
+      </p:cxnSp>
     </p:spTree>
     <p:extLst>
       <p:ext uri="{BB962C8B-B14F-4D97-AF65-F5344CB8AC3E}">
